--- a/Docs/Netserv_project_models_Architecture.pptx
+++ b/Docs/Netserv_project_models_Architecture.pptx
@@ -261,7 +261,7 @@
           <a:p>
             <a:fld id="{476E4D88-C944-48E5-AD67-A2839328137B}" type="datetimeFigureOut">
               <a:rPr lang="en-US" smtClean="0"/>
-              <a:t>6/25/2023</a:t>
+              <a:t>7/9/2023</a:t>
             </a:fld>
             <a:endParaRPr lang="en-US"/>
           </a:p>
@@ -459,7 +459,7 @@
           <a:p>
             <a:fld id="{476E4D88-C944-48E5-AD67-A2839328137B}" type="datetimeFigureOut">
               <a:rPr lang="en-US" smtClean="0"/>
-              <a:t>6/25/2023</a:t>
+              <a:t>7/9/2023</a:t>
             </a:fld>
             <a:endParaRPr lang="en-US"/>
           </a:p>
@@ -667,7 +667,7 @@
           <a:p>
             <a:fld id="{476E4D88-C944-48E5-AD67-A2839328137B}" type="datetimeFigureOut">
               <a:rPr lang="en-US" smtClean="0"/>
-              <a:t>6/25/2023</a:t>
+              <a:t>7/9/2023</a:t>
             </a:fld>
             <a:endParaRPr lang="en-US"/>
           </a:p>
@@ -865,7 +865,7 @@
           <a:p>
             <a:fld id="{476E4D88-C944-48E5-AD67-A2839328137B}" type="datetimeFigureOut">
               <a:rPr lang="en-US" smtClean="0"/>
-              <a:t>6/25/2023</a:t>
+              <a:t>7/9/2023</a:t>
             </a:fld>
             <a:endParaRPr lang="en-US"/>
           </a:p>
@@ -1140,7 +1140,7 @@
           <a:p>
             <a:fld id="{476E4D88-C944-48E5-AD67-A2839328137B}" type="datetimeFigureOut">
               <a:rPr lang="en-US" smtClean="0"/>
-              <a:t>6/25/2023</a:t>
+              <a:t>7/9/2023</a:t>
             </a:fld>
             <a:endParaRPr lang="en-US"/>
           </a:p>
@@ -1405,7 +1405,7 @@
           <a:p>
             <a:fld id="{476E4D88-C944-48E5-AD67-A2839328137B}" type="datetimeFigureOut">
               <a:rPr lang="en-US" smtClean="0"/>
-              <a:t>6/25/2023</a:t>
+              <a:t>7/9/2023</a:t>
             </a:fld>
             <a:endParaRPr lang="en-US"/>
           </a:p>
@@ -1817,7 +1817,7 @@
           <a:p>
             <a:fld id="{476E4D88-C944-48E5-AD67-A2839328137B}" type="datetimeFigureOut">
               <a:rPr lang="en-US" smtClean="0"/>
-              <a:t>6/25/2023</a:t>
+              <a:t>7/9/2023</a:t>
             </a:fld>
             <a:endParaRPr lang="en-US"/>
           </a:p>
@@ -1958,7 +1958,7 @@
           <a:p>
             <a:fld id="{476E4D88-C944-48E5-AD67-A2839328137B}" type="datetimeFigureOut">
               <a:rPr lang="en-US" smtClean="0"/>
-              <a:t>6/25/2023</a:t>
+              <a:t>7/9/2023</a:t>
             </a:fld>
             <a:endParaRPr lang="en-US"/>
           </a:p>
@@ -2071,7 +2071,7 @@
           <a:p>
             <a:fld id="{476E4D88-C944-48E5-AD67-A2839328137B}" type="datetimeFigureOut">
               <a:rPr lang="en-US" smtClean="0"/>
-              <a:t>6/25/2023</a:t>
+              <a:t>7/9/2023</a:t>
             </a:fld>
             <a:endParaRPr lang="en-US"/>
           </a:p>
@@ -2382,7 +2382,7 @@
           <a:p>
             <a:fld id="{476E4D88-C944-48E5-AD67-A2839328137B}" type="datetimeFigureOut">
               <a:rPr lang="en-US" smtClean="0"/>
-              <a:t>6/25/2023</a:t>
+              <a:t>7/9/2023</a:t>
             </a:fld>
             <a:endParaRPr lang="en-US"/>
           </a:p>
@@ -2670,7 +2670,7 @@
           <a:p>
             <a:fld id="{476E4D88-C944-48E5-AD67-A2839328137B}" type="datetimeFigureOut">
               <a:rPr lang="en-US" smtClean="0"/>
-              <a:t>6/25/2023</a:t>
+              <a:t>7/9/2023</a:t>
             </a:fld>
             <a:endParaRPr lang="en-US"/>
           </a:p>
@@ -2911,7 +2911,7 @@
           <a:p>
             <a:fld id="{476E4D88-C944-48E5-AD67-A2839328137B}" type="datetimeFigureOut">
               <a:rPr lang="en-US" smtClean="0"/>
-              <a:t>6/25/2023</a:t>
+              <a:t>7/9/2023</a:t>
             </a:fld>
             <a:endParaRPr lang="en-US"/>
           </a:p>
@@ -3342,7 +3342,7 @@
         </p:nvSpPr>
         <p:spPr>
           <a:xfrm>
-            <a:off x="42173" y="2799997"/>
+            <a:off x="657995" y="4469406"/>
             <a:ext cx="1518179" cy="858416"/>
           </a:xfrm>
           <a:prstGeom prst="roundRect">
@@ -3389,7 +3389,7 @@
         </p:nvSpPr>
         <p:spPr>
           <a:xfrm>
-            <a:off x="1857431" y="2799997"/>
+            <a:off x="2473253" y="4469406"/>
             <a:ext cx="1673463" cy="858416"/>
           </a:xfrm>
           <a:prstGeom prst="roundRect">
@@ -3440,7 +3440,7 @@
         </p:nvCxnSpPr>
         <p:spPr>
           <a:xfrm>
-            <a:off x="1560352" y="3229205"/>
+            <a:off x="2176174" y="4898614"/>
             <a:ext cx="297079" cy="0"/>
           </a:xfrm>
           <a:prstGeom prst="straightConnector1">
@@ -3479,7 +3479,7 @@
         </p:nvSpPr>
         <p:spPr>
           <a:xfrm>
-            <a:off x="3806716" y="671119"/>
+            <a:off x="4422538" y="2340528"/>
             <a:ext cx="1673462" cy="840440"/>
           </a:xfrm>
           <a:prstGeom prst="roundRect">
@@ -3530,7 +3530,7 @@
         </p:nvCxnSpPr>
         <p:spPr>
           <a:xfrm flipV="1">
-            <a:off x="3530894" y="1091339"/>
+            <a:off x="4146716" y="2760748"/>
             <a:ext cx="275822" cy="2137866"/>
           </a:xfrm>
           <a:prstGeom prst="bentConnector3">
@@ -3571,7 +3571,7 @@
         </p:nvSpPr>
         <p:spPr>
           <a:xfrm>
-            <a:off x="3929920" y="3658413"/>
+            <a:off x="4545742" y="5327822"/>
             <a:ext cx="1673462" cy="840440"/>
           </a:xfrm>
           <a:prstGeom prst="roundRect">
@@ -3618,7 +3618,7 @@
         </p:nvSpPr>
         <p:spPr>
           <a:xfrm>
-            <a:off x="5777258" y="671119"/>
+            <a:off x="6393080" y="2340528"/>
             <a:ext cx="1673462" cy="840440"/>
           </a:xfrm>
           <a:prstGeom prst="roundRect">
@@ -3668,7 +3668,7 @@
         </p:nvCxnSpPr>
         <p:spPr>
           <a:xfrm>
-            <a:off x="5480178" y="1091339"/>
+            <a:off x="6096000" y="2760748"/>
             <a:ext cx="297080" cy="0"/>
           </a:xfrm>
           <a:prstGeom prst="line">
@@ -3713,7 +3713,7 @@
         </p:nvSpPr>
         <p:spPr>
           <a:xfrm>
-            <a:off x="8027009" y="671119"/>
+            <a:off x="8642831" y="2340528"/>
             <a:ext cx="1673462" cy="840440"/>
           </a:xfrm>
           <a:prstGeom prst="roundRect">
@@ -3764,7 +3764,7 @@
         </p:nvCxnSpPr>
         <p:spPr>
           <a:xfrm>
-            <a:off x="7450720" y="1091339"/>
+            <a:off x="8066542" y="2760748"/>
             <a:ext cx="576289" cy="0"/>
           </a:xfrm>
           <a:prstGeom prst="straightConnector1">
@@ -3807,7 +3807,7 @@
         </p:nvCxnSpPr>
         <p:spPr>
           <a:xfrm>
-            <a:off x="3530894" y="3229205"/>
+            <a:off x="4146716" y="4898614"/>
             <a:ext cx="399026" cy="849428"/>
           </a:xfrm>
           <a:prstGeom prst="bentConnector3">
@@ -3848,7 +3848,7 @@
         </p:nvSpPr>
         <p:spPr>
           <a:xfrm>
-            <a:off x="5777258" y="3650238"/>
+            <a:off x="6393080" y="5319647"/>
             <a:ext cx="1673462" cy="840440"/>
           </a:xfrm>
           <a:prstGeom prst="roundRect">
@@ -3898,7 +3898,7 @@
         </p:nvCxnSpPr>
         <p:spPr>
           <a:xfrm flipV="1">
-            <a:off x="5603382" y="4070458"/>
+            <a:off x="6219204" y="5739867"/>
             <a:ext cx="173876" cy="8175"/>
           </a:xfrm>
           <a:prstGeom prst="straightConnector1">
@@ -3937,7 +3937,7 @@
         </p:nvSpPr>
         <p:spPr>
           <a:xfrm>
-            <a:off x="7740993" y="2588560"/>
+            <a:off x="8356815" y="4257969"/>
             <a:ext cx="1673462" cy="680023"/>
           </a:xfrm>
           <a:prstGeom prst="roundRect">
@@ -3988,7 +3988,7 @@
         </p:nvCxnSpPr>
         <p:spPr>
           <a:xfrm flipV="1">
-            <a:off x="7450720" y="2928572"/>
+            <a:off x="8066542" y="4597981"/>
             <a:ext cx="290273" cy="1141886"/>
           </a:xfrm>
           <a:prstGeom prst="bentConnector3">
@@ -4030,7 +4030,7 @@
         </p:nvCxnSpPr>
         <p:spPr>
           <a:xfrm rot="5400000">
-            <a:off x="5741769" y="536442"/>
+            <a:off x="6357591" y="2205851"/>
             <a:ext cx="2146854" cy="4097089"/>
           </a:xfrm>
           <a:prstGeom prst="bentConnector3">
@@ -4071,7 +4071,7 @@
         </p:nvSpPr>
         <p:spPr>
           <a:xfrm>
-            <a:off x="9414454" y="3462556"/>
+            <a:off x="10030276" y="5131965"/>
             <a:ext cx="1793237" cy="1226890"/>
           </a:xfrm>
           <a:prstGeom prst="roundRect">
@@ -4121,7 +4121,7 @@
         </p:nvCxnSpPr>
         <p:spPr>
           <a:xfrm>
-            <a:off x="7450720" y="4070458"/>
+            <a:off x="8066542" y="5739867"/>
             <a:ext cx="1963734" cy="5543"/>
           </a:xfrm>
           <a:prstGeom prst="straightConnector1">
@@ -4162,7 +4162,7 @@
         </p:nvCxnSpPr>
         <p:spPr>
           <a:xfrm rot="16200000" flipH="1">
-            <a:off x="8592380" y="3252472"/>
+            <a:off x="9208202" y="4921881"/>
             <a:ext cx="807418" cy="836730"/>
           </a:xfrm>
           <a:prstGeom prst="bentConnector2">
@@ -4187,6 +4187,53 @@
           </a:fontRef>
         </p:style>
       </p:cxnSp>
+      <p:sp>
+        <p:nvSpPr>
+          <p:cNvPr id="2" name="Rectangle 1">
+            <a:extLst>
+              <a:ext uri="{FF2B5EF4-FFF2-40B4-BE49-F238E27FC236}">
+                <a16:creationId xmlns:a16="http://schemas.microsoft.com/office/drawing/2014/main" id="{57F78D1F-E085-8171-B71B-257A9312D2CC}"/>
+              </a:ext>
+            </a:extLst>
+          </p:cNvPr>
+          <p:cNvSpPr/>
+          <p:nvPr/>
+        </p:nvSpPr>
+        <p:spPr>
+          <a:xfrm>
+            <a:off x="0" y="-41945"/>
+            <a:ext cx="12192000" cy="1118131"/>
+          </a:xfrm>
+          <a:prstGeom prst="rect">
+            <a:avLst/>
+          </a:prstGeom>
+        </p:spPr>
+        <p:style>
+          <a:lnRef idx="0">
+            <a:schemeClr val="accent6"/>
+          </a:lnRef>
+          <a:fillRef idx="3">
+            <a:schemeClr val="accent6"/>
+          </a:fillRef>
+          <a:effectRef idx="3">
+            <a:schemeClr val="accent6"/>
+          </a:effectRef>
+          <a:fontRef idx="minor">
+            <a:schemeClr val="lt1"/>
+          </a:fontRef>
+        </p:style>
+        <p:txBody>
+          <a:bodyPr rtlCol="0" anchor="ctr"/>
+          <a:lstStyle/>
+          <a:p>
+            <a:pPr algn="ctr"/>
+            <a:r>
+              <a:rPr lang="en-US" dirty="0"/>
+              <a:t>Solution Architecture</a:t>
+            </a:r>
+          </a:p>
+        </p:txBody>
+      </p:sp>
     </p:spTree>
     <p:extLst>
       <p:ext uri="{BB962C8B-B14F-4D97-AF65-F5344CB8AC3E}">
